--- a/xpedition_fablink/images/flow-chart.pptx
+++ b/xpedition_fablink/images/flow-chart.pptx
@@ -114,6 +114,70 @@
 
 <file path=ppt/changesInfos/changesInfo1.xml><?xml version="1.0" encoding="utf-8"?>
 <pc:chgInfo xmlns:a="http://schemas.openxmlformats.org/drawingml/2006/main" xmlns:r="http://schemas.openxmlformats.org/officeDocument/2006/relationships" xmlns:ac="http://schemas.microsoft.com/office/drawing/2013/main/command" xmlns:pc="http://schemas.microsoft.com/office/powerpoint/2013/main/command">
+  <pc:docChgLst>
+    <pc:chgData name="Merger Edgar FRD XAHDH13" userId="bc3d4c67-dcc3-408b-96f7-613e0dfa2b90" providerId="ADAL" clId="{79BD820F-1F36-4D66-88DF-D8A4B770C40A}"/>
+    <pc:docChg chg="modSld">
+      <pc:chgData name="Merger Edgar FRD XAHDH13" userId="bc3d4c67-dcc3-408b-96f7-613e0dfa2b90" providerId="ADAL" clId="{79BD820F-1F36-4D66-88DF-D8A4B770C40A}" dt="2024-11-15T21:28:37.960" v="0" actId="692"/>
+      <pc:docMkLst>
+        <pc:docMk/>
+      </pc:docMkLst>
+      <pc:sldChg chg="modSp mod">
+        <pc:chgData name="Merger Edgar FRD XAHDH13" userId="bc3d4c67-dcc3-408b-96f7-613e0dfa2b90" providerId="ADAL" clId="{79BD820F-1F36-4D66-88DF-D8A4B770C40A}" dt="2024-11-15T21:28:37.960" v="0" actId="692"/>
+        <pc:sldMkLst>
+          <pc:docMk/>
+          <pc:sldMk cId="184967413" sldId="257"/>
+        </pc:sldMkLst>
+        <pc:cxnChg chg="mod">
+          <ac:chgData name="Merger Edgar FRD XAHDH13" userId="bc3d4c67-dcc3-408b-96f7-613e0dfa2b90" providerId="ADAL" clId="{79BD820F-1F36-4D66-88DF-D8A4B770C40A}" dt="2024-11-15T21:28:37.960" v="0" actId="692"/>
+          <ac:cxnSpMkLst>
+            <pc:docMk/>
+            <pc:sldMk cId="184967413" sldId="257"/>
+            <ac:cxnSpMk id="35" creationId="{F51FD2DA-7F8B-CD83-F3D0-938F7242F77A}"/>
+          </ac:cxnSpMkLst>
+        </pc:cxnChg>
+        <pc:cxnChg chg="mod">
+          <ac:chgData name="Merger Edgar FRD XAHDH13" userId="bc3d4c67-dcc3-408b-96f7-613e0dfa2b90" providerId="ADAL" clId="{79BD820F-1F36-4D66-88DF-D8A4B770C40A}" dt="2024-11-15T21:28:37.960" v="0" actId="692"/>
+          <ac:cxnSpMkLst>
+            <pc:docMk/>
+            <pc:sldMk cId="184967413" sldId="257"/>
+            <ac:cxnSpMk id="37" creationId="{31F4F60D-2961-3F24-A2E5-0046694BBF59}"/>
+          </ac:cxnSpMkLst>
+        </pc:cxnChg>
+        <pc:cxnChg chg="mod">
+          <ac:chgData name="Merger Edgar FRD XAHDH13" userId="bc3d4c67-dcc3-408b-96f7-613e0dfa2b90" providerId="ADAL" clId="{79BD820F-1F36-4D66-88DF-D8A4B770C40A}" dt="2024-11-15T21:28:37.960" v="0" actId="692"/>
+          <ac:cxnSpMkLst>
+            <pc:docMk/>
+            <pc:sldMk cId="184967413" sldId="257"/>
+            <ac:cxnSpMk id="41" creationId="{7388123D-AFFF-4BB3-C424-3DAAFE76C5E1}"/>
+          </ac:cxnSpMkLst>
+        </pc:cxnChg>
+        <pc:cxnChg chg="mod">
+          <ac:chgData name="Merger Edgar FRD XAHDH13" userId="bc3d4c67-dcc3-408b-96f7-613e0dfa2b90" providerId="ADAL" clId="{79BD820F-1F36-4D66-88DF-D8A4B770C40A}" dt="2024-11-15T21:28:37.960" v="0" actId="692"/>
+          <ac:cxnSpMkLst>
+            <pc:docMk/>
+            <pc:sldMk cId="184967413" sldId="257"/>
+            <ac:cxnSpMk id="48" creationId="{528BFE1B-251C-68B3-F40F-AA9FA82A14E9}"/>
+          </ac:cxnSpMkLst>
+        </pc:cxnChg>
+        <pc:cxnChg chg="mod">
+          <ac:chgData name="Merger Edgar FRD XAHDH13" userId="bc3d4c67-dcc3-408b-96f7-613e0dfa2b90" providerId="ADAL" clId="{79BD820F-1F36-4D66-88DF-D8A4B770C40A}" dt="2024-11-15T21:28:37.960" v="0" actId="692"/>
+          <ac:cxnSpMkLst>
+            <pc:docMk/>
+            <pc:sldMk cId="184967413" sldId="257"/>
+            <ac:cxnSpMk id="50" creationId="{51997A0B-4A34-87FA-8BD0-CB80F54DB396}"/>
+          </ac:cxnSpMkLst>
+        </pc:cxnChg>
+        <pc:cxnChg chg="mod">
+          <ac:chgData name="Merger Edgar FRD XAHDH13" userId="bc3d4c67-dcc3-408b-96f7-613e0dfa2b90" providerId="ADAL" clId="{79BD820F-1F36-4D66-88DF-D8A4B770C40A}" dt="2024-11-15T21:28:37.960" v="0" actId="692"/>
+          <ac:cxnSpMkLst>
+            <pc:docMk/>
+            <pc:sldMk cId="184967413" sldId="257"/>
+            <ac:cxnSpMk id="53" creationId="{26DAB490-54B1-2547-6416-DBB061C6FDC4}"/>
+          </ac:cxnSpMkLst>
+        </pc:cxnChg>
+      </pc:sldChg>
+    </pc:docChg>
+  </pc:docChgLst>
   <pc:docChgLst>
     <pc:chgData name="Merger Edgar FRD XAHDH13" userId="bc3d4c67-dcc3-408b-96f7-613e0dfa2b90" providerId="ADAL" clId="{8CCFB948-0FBF-4D91-ADDF-3D13928C3A05}"/>
     <pc:docChg chg="custSel modSld">
@@ -370,7 +434,7 @@
           <a:p>
             <a:fld id="{9AF7088A-C1D3-41AE-AF77-5FCBECDF5BD5}" type="datetimeFigureOut">
               <a:rPr lang="en-US" smtClean="0"/>
-              <a:t>11/14/2024</a:t>
+              <a:t>11/15/2024</a:t>
             </a:fld>
             <a:endParaRPr lang="en-US"/>
           </a:p>
@@ -424,7 +488,7 @@
           <a:p>
             <a:fld id="{6EC615C4-1A52-4E47-A7B4-C00F26FF0E59}" type="slidenum">
               <a:rPr lang="en-US" smtClean="0"/>
-              <a:t>‹#›</a:t>
+              <a:t>‹Nr.›</a:t>
             </a:fld>
             <a:endParaRPr lang="en-US"/>
           </a:p>
@@ -570,7 +634,7 @@
           <a:p>
             <a:fld id="{9AF7088A-C1D3-41AE-AF77-5FCBECDF5BD5}" type="datetimeFigureOut">
               <a:rPr lang="en-US" smtClean="0"/>
-              <a:t>11/14/2024</a:t>
+              <a:t>11/15/2024</a:t>
             </a:fld>
             <a:endParaRPr lang="en-US"/>
           </a:p>
@@ -624,7 +688,7 @@
           <a:p>
             <a:fld id="{6EC615C4-1A52-4E47-A7B4-C00F26FF0E59}" type="slidenum">
               <a:rPr lang="en-US" smtClean="0"/>
-              <a:t>‹#›</a:t>
+              <a:t>‹Nr.›</a:t>
             </a:fld>
             <a:endParaRPr lang="en-US"/>
           </a:p>
@@ -780,7 +844,7 @@
           <a:p>
             <a:fld id="{9AF7088A-C1D3-41AE-AF77-5FCBECDF5BD5}" type="datetimeFigureOut">
               <a:rPr lang="en-US" smtClean="0"/>
-              <a:t>11/14/2024</a:t>
+              <a:t>11/15/2024</a:t>
             </a:fld>
             <a:endParaRPr lang="en-US"/>
           </a:p>
@@ -834,7 +898,7 @@
           <a:p>
             <a:fld id="{6EC615C4-1A52-4E47-A7B4-C00F26FF0E59}" type="slidenum">
               <a:rPr lang="en-US" smtClean="0"/>
-              <a:t>‹#›</a:t>
+              <a:t>‹Nr.›</a:t>
             </a:fld>
             <a:endParaRPr lang="en-US"/>
           </a:p>
@@ -980,7 +1044,7 @@
           <a:p>
             <a:fld id="{9AF7088A-C1D3-41AE-AF77-5FCBECDF5BD5}" type="datetimeFigureOut">
               <a:rPr lang="en-US" smtClean="0"/>
-              <a:t>11/14/2024</a:t>
+              <a:t>11/15/2024</a:t>
             </a:fld>
             <a:endParaRPr lang="en-US"/>
           </a:p>
@@ -1034,7 +1098,7 @@
           <a:p>
             <a:fld id="{6EC615C4-1A52-4E47-A7B4-C00F26FF0E59}" type="slidenum">
               <a:rPr lang="en-US" smtClean="0"/>
-              <a:t>‹#›</a:t>
+              <a:t>‹Nr.›</a:t>
             </a:fld>
             <a:endParaRPr lang="en-US"/>
           </a:p>
@@ -1256,7 +1320,7 @@
           <a:p>
             <a:fld id="{9AF7088A-C1D3-41AE-AF77-5FCBECDF5BD5}" type="datetimeFigureOut">
               <a:rPr lang="en-US" smtClean="0"/>
-              <a:t>11/14/2024</a:t>
+              <a:t>11/15/2024</a:t>
             </a:fld>
             <a:endParaRPr lang="en-US"/>
           </a:p>
@@ -1310,7 +1374,7 @@
           <a:p>
             <a:fld id="{6EC615C4-1A52-4E47-A7B4-C00F26FF0E59}" type="slidenum">
               <a:rPr lang="en-US" smtClean="0"/>
-              <a:t>‹#›</a:t>
+              <a:t>‹Nr.›</a:t>
             </a:fld>
             <a:endParaRPr lang="en-US"/>
           </a:p>
@@ -1524,7 +1588,7 @@
           <a:p>
             <a:fld id="{9AF7088A-C1D3-41AE-AF77-5FCBECDF5BD5}" type="datetimeFigureOut">
               <a:rPr lang="en-US" smtClean="0"/>
-              <a:t>11/14/2024</a:t>
+              <a:t>11/15/2024</a:t>
             </a:fld>
             <a:endParaRPr lang="en-US"/>
           </a:p>
@@ -1578,7 +1642,7 @@
           <a:p>
             <a:fld id="{6EC615C4-1A52-4E47-A7B4-C00F26FF0E59}" type="slidenum">
               <a:rPr lang="en-US" smtClean="0"/>
-              <a:t>‹#›</a:t>
+              <a:t>‹Nr.›</a:t>
             </a:fld>
             <a:endParaRPr lang="en-US"/>
           </a:p>
@@ -1939,7 +2003,7 @@
           <a:p>
             <a:fld id="{9AF7088A-C1D3-41AE-AF77-5FCBECDF5BD5}" type="datetimeFigureOut">
               <a:rPr lang="en-US" smtClean="0"/>
-              <a:t>11/14/2024</a:t>
+              <a:t>11/15/2024</a:t>
             </a:fld>
             <a:endParaRPr lang="en-US"/>
           </a:p>
@@ -1993,7 +2057,7 @@
           <a:p>
             <a:fld id="{6EC615C4-1A52-4E47-A7B4-C00F26FF0E59}" type="slidenum">
               <a:rPr lang="en-US" smtClean="0"/>
-              <a:t>‹#›</a:t>
+              <a:t>‹Nr.›</a:t>
             </a:fld>
             <a:endParaRPr lang="en-US"/>
           </a:p>
@@ -2081,7 +2145,7 @@
           <a:p>
             <a:fld id="{9AF7088A-C1D3-41AE-AF77-5FCBECDF5BD5}" type="datetimeFigureOut">
               <a:rPr lang="en-US" smtClean="0"/>
-              <a:t>11/14/2024</a:t>
+              <a:t>11/15/2024</a:t>
             </a:fld>
             <a:endParaRPr lang="en-US"/>
           </a:p>
@@ -2135,7 +2199,7 @@
           <a:p>
             <a:fld id="{6EC615C4-1A52-4E47-A7B4-C00F26FF0E59}" type="slidenum">
               <a:rPr lang="en-US" smtClean="0"/>
-              <a:t>‹#›</a:t>
+              <a:t>‹Nr.›</a:t>
             </a:fld>
             <a:endParaRPr lang="en-US"/>
           </a:p>
@@ -2194,7 +2258,7 @@
           <a:p>
             <a:fld id="{9AF7088A-C1D3-41AE-AF77-5FCBECDF5BD5}" type="datetimeFigureOut">
               <a:rPr lang="en-US" smtClean="0"/>
-              <a:t>11/14/2024</a:t>
+              <a:t>11/15/2024</a:t>
             </a:fld>
             <a:endParaRPr lang="en-US"/>
           </a:p>
@@ -2248,7 +2312,7 @@
           <a:p>
             <a:fld id="{6EC615C4-1A52-4E47-A7B4-C00F26FF0E59}" type="slidenum">
               <a:rPr lang="en-US" smtClean="0"/>
-              <a:t>‹#›</a:t>
+              <a:t>‹Nr.›</a:t>
             </a:fld>
             <a:endParaRPr lang="en-US"/>
           </a:p>
@@ -2507,7 +2571,7 @@
           <a:p>
             <a:fld id="{9AF7088A-C1D3-41AE-AF77-5FCBECDF5BD5}" type="datetimeFigureOut">
               <a:rPr lang="en-US" smtClean="0"/>
-              <a:t>11/14/2024</a:t>
+              <a:t>11/15/2024</a:t>
             </a:fld>
             <a:endParaRPr lang="en-US"/>
           </a:p>
@@ -2561,7 +2625,7 @@
           <a:p>
             <a:fld id="{6EC615C4-1A52-4E47-A7B4-C00F26FF0E59}" type="slidenum">
               <a:rPr lang="en-US" smtClean="0"/>
-              <a:t>‹#›</a:t>
+              <a:t>‹Nr.›</a:t>
             </a:fld>
             <a:endParaRPr lang="en-US"/>
           </a:p>
@@ -2796,7 +2860,7 @@
           <a:p>
             <a:fld id="{9AF7088A-C1D3-41AE-AF77-5FCBECDF5BD5}" type="datetimeFigureOut">
               <a:rPr lang="en-US" smtClean="0"/>
-              <a:t>11/14/2024</a:t>
+              <a:t>11/15/2024</a:t>
             </a:fld>
             <a:endParaRPr lang="en-US"/>
           </a:p>
@@ -2850,7 +2914,7 @@
           <a:p>
             <a:fld id="{6EC615C4-1A52-4E47-A7B4-C00F26FF0E59}" type="slidenum">
               <a:rPr lang="en-US" smtClean="0"/>
-              <a:t>‹#›</a:t>
+              <a:t>‹Nr.›</a:t>
             </a:fld>
             <a:endParaRPr lang="en-US"/>
           </a:p>
@@ -3039,7 +3103,7 @@
           <a:p>
             <a:fld id="{9AF7088A-C1D3-41AE-AF77-5FCBECDF5BD5}" type="datetimeFigureOut">
               <a:rPr lang="en-US" smtClean="0"/>
-              <a:t>11/14/2024</a:t>
+              <a:t>11/15/2024</a:t>
             </a:fld>
             <a:endParaRPr lang="en-US"/>
           </a:p>
@@ -3129,7 +3193,7 @@
           <a:p>
             <a:fld id="{6EC615C4-1A52-4E47-A7B4-C00F26FF0E59}" type="slidenum">
               <a:rPr lang="en-US" smtClean="0"/>
-              <a:t>‹#›</a:t>
+              <a:t>‹Nr.›</a:t>
             </a:fld>
             <a:endParaRPr lang="en-US"/>
           </a:p>
@@ -3875,7 +3939,7 @@
           <a:noFill/>
           <a:ln w="6350" cap="rnd" cmpd="sng" algn="ctr">
             <a:solidFill>
-              <a:schemeClr val="bg2"/>
+              <a:schemeClr val="tx1"/>
             </a:solidFill>
             <a:prstDash val="solid"/>
             <a:round/>
@@ -4002,7 +4066,7 @@
           <a:noFill/>
           <a:ln w="6350" cap="rnd" cmpd="sng" algn="ctr">
             <a:solidFill>
-              <a:schemeClr val="bg2"/>
+              <a:schemeClr val="tx1"/>
             </a:solidFill>
             <a:prstDash val="solid"/>
             <a:round/>
@@ -4251,7 +4315,7 @@
           <a:noFill/>
           <a:ln w="6350" cap="rnd" cmpd="sng" algn="ctr">
             <a:solidFill>
-              <a:schemeClr val="bg2"/>
+              <a:schemeClr val="tx1"/>
             </a:solidFill>
             <a:prstDash val="solid"/>
             <a:round/>
@@ -4767,7 +4831,7 @@
           <a:noFill/>
           <a:ln w="6350" cap="rnd" cmpd="sng" algn="ctr">
             <a:solidFill>
-              <a:schemeClr val="bg2"/>
+              <a:schemeClr val="tx1"/>
             </a:solidFill>
             <a:prstDash val="solid"/>
             <a:round/>
@@ -4869,7 +4933,7 @@
           <a:noFill/>
           <a:ln w="6350" cap="rnd" cmpd="sng" algn="ctr">
             <a:solidFill>
-              <a:schemeClr val="bg2"/>
+              <a:schemeClr val="tx1"/>
             </a:solidFill>
             <a:prstDash val="solid"/>
             <a:round/>
@@ -5023,7 +5087,7 @@
           <a:noFill/>
           <a:ln w="6350" cap="rnd" cmpd="sng" algn="ctr">
             <a:solidFill>
-              <a:schemeClr val="bg2"/>
+              <a:schemeClr val="tx1"/>
             </a:solidFill>
             <a:prstDash val="solid"/>
             <a:round/>
